--- a/org.faktorips.doc/schulung/anwendungsentwicklung2/FaktorIPS-Schulung 3-I - Testunterstuetzung.pptx
+++ b/org.faktorips.doc/schulung/anwendungsentwicklung2/FaktorIPS-Schulung 3-I - Testunterstuetzung.pptx
@@ -1474,7 +1474,7 @@
           <a:p>
             <a:fld id="{C2AC396E-E2A7-49E7-B37E-242ECCD7A396}" type="datetime1">
               <a:rPr lang="de-DE" smtClean="0"/>
-              <a:t>17.05.2013</a:t>
+              <a:t>13.11.2013</a:t>
             </a:fld>
             <a:endParaRPr lang="de-DE" dirty="0"/>
           </a:p>
@@ -2807,7 +2807,7 @@
           <a:p>
             <a:fld id="{C9D81748-AF58-47A3-BD85-411768FBF148}" type="datetime1">
               <a:rPr lang="de-DE" smtClean="0"/>
-              <a:t>17.05.2013</a:t>
+              <a:t>13.11.2013</a:t>
             </a:fld>
             <a:endParaRPr lang="de-DE" dirty="0"/>
           </a:p>
@@ -3004,7 +3004,7 @@
           <a:p>
             <a:fld id="{FB204F86-65F6-4879-9E4E-9D527D4D3C13}" type="datetime1">
               <a:rPr lang="de-DE" smtClean="0"/>
-              <a:t>17.05.2013</a:t>
+              <a:t>13.11.2013</a:t>
             </a:fld>
             <a:endParaRPr lang="de-DE" dirty="0"/>
           </a:p>
@@ -3946,7 +3946,7 @@
           <a:p>
             <a:fld id="{0FB3CEFB-3F85-4F96-955D-6155055D16B8}" type="datetime1">
               <a:rPr lang="de-DE" smtClean="0"/>
-              <a:t>17.05.2013</a:t>
+              <a:t>13.11.2013</a:t>
             </a:fld>
             <a:endParaRPr lang="de-DE" dirty="0"/>
           </a:p>
@@ -4123,7 +4123,7 @@
           <a:p>
             <a:fld id="{84CE062F-145E-403F-B899-B5717963A3C2}" type="datetime1">
               <a:rPr lang="de-DE" smtClean="0"/>
-              <a:t>17.05.2013</a:t>
+              <a:t>13.11.2013</a:t>
             </a:fld>
             <a:endParaRPr lang="de-DE" dirty="0"/>
           </a:p>
@@ -4328,7 +4328,7 @@
           <a:p>
             <a:fld id="{D1DC0167-92C6-4833-9E5C-DA92D3F708DF}" type="datetime1">
               <a:rPr lang="de-DE" smtClean="0"/>
-              <a:t>17.05.2013</a:t>
+              <a:t>13.11.2013</a:t>
             </a:fld>
             <a:endParaRPr lang="de-DE" dirty="0"/>
           </a:p>
@@ -4500,7 +4500,7 @@
           <a:p>
             <a:fld id="{ECCE0927-057C-425A-A976-D5E87BEF9842}" type="datetime1">
               <a:rPr lang="de-DE" smtClean="0"/>
-              <a:t>17.05.2013</a:t>
+              <a:t>13.11.2013</a:t>
             </a:fld>
             <a:endParaRPr lang="de-DE" dirty="0"/>
           </a:p>
@@ -4721,7 +4721,7 @@
           <a:p>
             <a:fld id="{367A958C-DC98-4C85-BAF8-6F33BF1AEFDC}" type="datetime1">
               <a:rPr lang="de-DE" smtClean="0"/>
-              <a:t>17.05.2013</a:t>
+              <a:t>13.11.2013</a:t>
             </a:fld>
             <a:endParaRPr lang="de-DE" dirty="0"/>
           </a:p>
@@ -4919,7 +4919,7 @@
           <a:p>
             <a:fld id="{007E559F-8E00-4A23-9E42-03B018963A33}" type="datetime1">
               <a:rPr lang="de-DE" smtClean="0"/>
-              <a:t>17.05.2013</a:t>
+              <a:t>13.11.2013</a:t>
             </a:fld>
             <a:endParaRPr lang="de-DE" dirty="0"/>
           </a:p>
@@ -6186,7 +6186,7 @@
           <a:p>
             <a:fld id="{7E87C125-04D9-41D4-BACE-5EE8561B1AB5}" type="datetime1">
               <a:rPr lang="de-DE" smtClean="0"/>
-              <a:t>17.05.2013</a:t>
+              <a:t>13.11.2013</a:t>
             </a:fld>
             <a:endParaRPr lang="de-DE" dirty="0"/>
           </a:p>
@@ -7174,7 +7174,7 @@
           <a:p>
             <a:fld id="{8F2798D0-9448-4FA5-B8B4-0623D1B22096}" type="datetime1">
               <a:rPr lang="de-DE" smtClean="0"/>
-              <a:t>17.05.2013</a:t>
+              <a:t>13.11.2013</a:t>
             </a:fld>
             <a:endParaRPr lang="de-DE" dirty="0"/>
           </a:p>
@@ -7745,7 +7745,7 @@
           <a:p>
             <a:fld id="{88EB11B2-E142-4774-88C9-F01B09B679D2}" type="datetime1">
               <a:rPr lang="de-DE" smtClean="0"/>
-              <a:t>17.05.2013</a:t>
+              <a:t>13.11.2013</a:t>
             </a:fld>
             <a:endParaRPr lang="de-DE" dirty="0"/>
           </a:p>
@@ -9236,7 +9236,7 @@
           <a:p>
             <a:fld id="{572EEEAF-A1B3-4F22-BFF7-AC1339DC4725}" type="datetime1">
               <a:rPr lang="de-DE" smtClean="0"/>
-              <a:t>17.05.2013</a:t>
+              <a:t>13.11.2013</a:t>
             </a:fld>
             <a:endParaRPr lang="de-DE" dirty="0"/>
           </a:p>
@@ -10074,7 +10074,7 @@
                   <a:srgbClr val="FFFFFF"/>
                 </a:solidFill>
               </a:rPr>
-              <a:t>17.05.2013</a:t>
+              <a:t>13.11.2013</a:t>
             </a:fld>
             <a:endParaRPr lang="de-DE" sz="700">
               <a:solidFill>
@@ -10093,7 +10093,7 @@
           <p:nvPr>
             <p:extLst>
               <p:ext uri="{D42A27DB-BD31-4B8C-83A1-F6EECF244321}">
-                <p14:modId xmlns:p14="http://schemas.microsoft.com/office/powerpoint/2010/main" val="948757070"/>
+                <p14:modId xmlns:p14="http://schemas.microsoft.com/office/powerpoint/2010/main" val="1077758925"/>
               </p:ext>
             </p:extLst>
           </p:nvPr>
@@ -10817,8 +10817,13 @@
                       </a:pPr>
                       <a:r>
                         <a:rPr lang="de-DE" sz="2400" b="1" dirty="0" smtClean="0"/>
-                        <a:t>III.I Verwendung von Aufzählungen</a:t>
+                        <a:t>III.I </a:t>
                       </a:r>
+                      <a:r>
+                        <a:rPr lang="de-DE" sz="2400" b="1" dirty="0" smtClean="0"/>
+                        <a:t>Testunterstützung</a:t>
+                      </a:r>
+                      <a:endParaRPr lang="de-DE" sz="2400" b="1" dirty="0" smtClean="0"/>
                     </a:p>
                   </a:txBody>
                   <a:tcPr marL="90000" marR="90000" marT="54000" marB="54000" anchor="ctr" horzOverflow="overflow">
@@ -11620,7 +11625,7 @@
                   <a:srgbClr val="FFFFFF"/>
                 </a:solidFill>
               </a:rPr>
-              <a:t>17.05.2013</a:t>
+              <a:t>13.11.2013</a:t>
             </a:fld>
             <a:endParaRPr lang="de-DE" dirty="0">
               <a:solidFill>
@@ -12162,7 +12167,7 @@
                   <a:srgbClr val="FFFFFF"/>
                 </a:solidFill>
               </a:rPr>
-              <a:t>17.05.2013</a:t>
+              <a:t>13.11.2013</a:t>
             </a:fld>
             <a:endParaRPr lang="de-DE" dirty="0">
               <a:solidFill>
@@ -12757,7 +12762,7 @@
                   <a:srgbClr val="FFFFFF"/>
                 </a:solidFill>
               </a:rPr>
-              <a:t>17.05.2013</a:t>
+              <a:t>13.11.2013</a:t>
             </a:fld>
             <a:endParaRPr lang="de-DE" dirty="0">
               <a:solidFill>
@@ -13165,7 +13170,7 @@
                   <a:srgbClr val="FFFFFF"/>
                 </a:solidFill>
               </a:rPr>
-              <a:t>17.05.2013</a:t>
+              <a:t>13.11.2013</a:t>
             </a:fld>
             <a:endParaRPr lang="de-DE" dirty="0">
               <a:solidFill>

--- a/org.faktorips.doc/schulung/anwendungsentwicklung2/FaktorIPS-Schulung 3-I - Testunterstuetzung.pptx
+++ b/org.faktorips.doc/schulung/anwendungsentwicklung2/FaktorIPS-Schulung 3-I - Testunterstuetzung.pptx
@@ -1474,7 +1474,7 @@
           <a:p>
             <a:fld id="{C2AC396E-E2A7-49E7-B37E-242ECCD7A396}" type="datetime1">
               <a:rPr lang="de-DE" smtClean="0"/>
-              <a:t>13.11.2013</a:t>
+              <a:t>15.04.2015</a:t>
             </a:fld>
             <a:endParaRPr lang="de-DE" dirty="0"/>
           </a:p>
@@ -2807,7 +2807,7 @@
           <a:p>
             <a:fld id="{C9D81748-AF58-47A3-BD85-411768FBF148}" type="datetime1">
               <a:rPr lang="de-DE" smtClean="0"/>
-              <a:t>13.11.2013</a:t>
+              <a:t>15.04.2015</a:t>
             </a:fld>
             <a:endParaRPr lang="de-DE" dirty="0"/>
           </a:p>
@@ -3004,7 +3004,7 @@
           <a:p>
             <a:fld id="{FB204F86-65F6-4879-9E4E-9D527D4D3C13}" type="datetime1">
               <a:rPr lang="de-DE" smtClean="0"/>
-              <a:t>13.11.2013</a:t>
+              <a:t>15.04.2015</a:t>
             </a:fld>
             <a:endParaRPr lang="de-DE" dirty="0"/>
           </a:p>
@@ -3946,7 +3946,7 @@
           <a:p>
             <a:fld id="{0FB3CEFB-3F85-4F96-955D-6155055D16B8}" type="datetime1">
               <a:rPr lang="de-DE" smtClean="0"/>
-              <a:t>13.11.2013</a:t>
+              <a:t>15.04.2015</a:t>
             </a:fld>
             <a:endParaRPr lang="de-DE" dirty="0"/>
           </a:p>
@@ -4123,7 +4123,7 @@
           <a:p>
             <a:fld id="{84CE062F-145E-403F-B899-B5717963A3C2}" type="datetime1">
               <a:rPr lang="de-DE" smtClean="0"/>
-              <a:t>13.11.2013</a:t>
+              <a:t>15.04.2015</a:t>
             </a:fld>
             <a:endParaRPr lang="de-DE" dirty="0"/>
           </a:p>
@@ -4328,7 +4328,7 @@
           <a:p>
             <a:fld id="{D1DC0167-92C6-4833-9E5C-DA92D3F708DF}" type="datetime1">
               <a:rPr lang="de-DE" smtClean="0"/>
-              <a:t>13.11.2013</a:t>
+              <a:t>15.04.2015</a:t>
             </a:fld>
             <a:endParaRPr lang="de-DE" dirty="0"/>
           </a:p>
@@ -4500,7 +4500,7 @@
           <a:p>
             <a:fld id="{ECCE0927-057C-425A-A976-D5E87BEF9842}" type="datetime1">
               <a:rPr lang="de-DE" smtClean="0"/>
-              <a:t>13.11.2013</a:t>
+              <a:t>15.04.2015</a:t>
             </a:fld>
             <a:endParaRPr lang="de-DE" dirty="0"/>
           </a:p>
@@ -4721,7 +4721,7 @@
           <a:p>
             <a:fld id="{367A958C-DC98-4C85-BAF8-6F33BF1AEFDC}" type="datetime1">
               <a:rPr lang="de-DE" smtClean="0"/>
-              <a:t>13.11.2013</a:t>
+              <a:t>15.04.2015</a:t>
             </a:fld>
             <a:endParaRPr lang="de-DE" dirty="0"/>
           </a:p>
@@ -4919,7 +4919,7 @@
           <a:p>
             <a:fld id="{007E559F-8E00-4A23-9E42-03B018963A33}" type="datetime1">
               <a:rPr lang="de-DE" smtClean="0"/>
-              <a:t>13.11.2013</a:t>
+              <a:t>15.04.2015</a:t>
             </a:fld>
             <a:endParaRPr lang="de-DE" dirty="0"/>
           </a:p>
@@ -6186,7 +6186,7 @@
           <a:p>
             <a:fld id="{7E87C125-04D9-41D4-BACE-5EE8561B1AB5}" type="datetime1">
               <a:rPr lang="de-DE" smtClean="0"/>
-              <a:t>13.11.2013</a:t>
+              <a:t>15.04.2015</a:t>
             </a:fld>
             <a:endParaRPr lang="de-DE" dirty="0"/>
           </a:p>
@@ -7174,7 +7174,7 @@
           <a:p>
             <a:fld id="{8F2798D0-9448-4FA5-B8B4-0623D1B22096}" type="datetime1">
               <a:rPr lang="de-DE" smtClean="0"/>
-              <a:t>13.11.2013</a:t>
+              <a:t>15.04.2015</a:t>
             </a:fld>
             <a:endParaRPr lang="de-DE" dirty="0"/>
           </a:p>
@@ -7745,7 +7745,7 @@
           <a:p>
             <a:fld id="{88EB11B2-E142-4774-88C9-F01B09B679D2}" type="datetime1">
               <a:rPr lang="de-DE" smtClean="0"/>
-              <a:t>13.11.2013</a:t>
+              <a:t>15.04.2015</a:t>
             </a:fld>
             <a:endParaRPr lang="de-DE" dirty="0"/>
           </a:p>
@@ -9236,7 +9236,7 @@
           <a:p>
             <a:fld id="{572EEEAF-A1B3-4F22-BFF7-AC1339DC4725}" type="datetime1">
               <a:rPr lang="de-DE" smtClean="0"/>
-              <a:t>13.11.2013</a:t>
+              <a:t>15.04.2015</a:t>
             </a:fld>
             <a:endParaRPr lang="de-DE" dirty="0"/>
           </a:p>
@@ -10074,7 +10074,7 @@
                   <a:srgbClr val="FFFFFF"/>
                 </a:solidFill>
               </a:rPr>
-              <a:t>13.11.2013</a:t>
+              <a:t>15.04.2015</a:t>
             </a:fld>
             <a:endParaRPr lang="de-DE" sz="700">
               <a:solidFill>
@@ -10817,13 +10817,8 @@
                       </a:pPr>
                       <a:r>
                         <a:rPr lang="de-DE" sz="2400" b="1" dirty="0" smtClean="0"/>
-                        <a:t>III.I </a:t>
+                        <a:t>III.I Testunterstützung</a:t>
                       </a:r>
-                      <a:r>
-                        <a:rPr lang="de-DE" sz="2400" b="1" dirty="0" smtClean="0"/>
-                        <a:t>Testunterstützung</a:t>
-                      </a:r>
-                      <a:endParaRPr lang="de-DE" sz="2400" b="1" dirty="0" smtClean="0"/>
                     </a:p>
                   </a:txBody>
                   <a:tcPr marL="90000" marR="90000" marT="54000" marB="54000" anchor="ctr" horzOverflow="overflow">
@@ -11625,7 +11620,7 @@
                   <a:srgbClr val="FFFFFF"/>
                 </a:solidFill>
               </a:rPr>
-              <a:t>13.11.2013</a:t>
+              <a:t>15.04.2015</a:t>
             </a:fld>
             <a:endParaRPr lang="de-DE" dirty="0">
               <a:solidFill>
@@ -11699,7 +11694,7 @@
         <p:spPr>
           <a:xfrm>
             <a:off x="251520" y="1377582"/>
-            <a:ext cx="7280275" cy="4246562"/>
+            <a:ext cx="7884876" cy="4246562"/>
           </a:xfrm>
           <a:ln/>
         </p:spPr>
@@ -11893,7 +11888,15 @@
             </a:pPr>
             <a:r>
               <a:rPr lang="de-DE" dirty="0"/>
-              <a:t>Testen von Spezialfällen möglich (die möglicherweise durch produktive Produktdaten nicht abgebildet werden)</a:t>
+              <a:t>Testen von Spezialfällen möglich (die möglicherweise durch </a:t>
+            </a:r>
+            <a:r>
+              <a:rPr lang="de-DE" dirty="0"/>
+              <a:t>produktive Produktdaten (noch) </a:t>
+            </a:r>
+            <a:r>
+              <a:rPr lang="de-DE" dirty="0"/>
+              <a:t>nicht abgebildet werden)</a:t>
             </a:r>
           </a:p>
           <a:p>
@@ -12042,7 +12045,15 @@
             </a:pPr>
             <a:r>
               <a:rPr lang="de-DE" dirty="0"/>
-              <a:t>Testfälle und die benötigten Testdaten bilden ein Einheit, werden zusammen mit dem </a:t>
+              <a:t>Testfälle und die benötigten Testdaten bilden </a:t>
+            </a:r>
+            <a:r>
+              <a:rPr lang="de-DE" dirty="0" smtClean="0"/>
+              <a:t>eine </a:t>
+            </a:r>
+            <a:r>
+              <a:rPr lang="de-DE" dirty="0"/>
+              <a:t>Einheit, werden zusammen mit dem </a:t>
             </a:r>
             <a:r>
               <a:rPr lang="de-DE" dirty="0" err="1"/>
@@ -12050,11 +12061,11 @@
             </a:r>
             <a:r>
               <a:rPr lang="de-DE" dirty="0"/>
-              <a:t> im KM-Tool </a:t>
-            </a:r>
-            <a:r>
-              <a:rPr lang="de-DE" dirty="0" smtClean="0"/>
-              <a:t>verwaltet </a:t>
+              <a:t> </a:t>
+            </a:r>
+            <a:r>
+              <a:rPr lang="de-DE" dirty="0" smtClean="0"/>
+              <a:t>im Werkzeug für die Versionskontrolle verwaltet </a:t>
             </a:r>
             <a:endParaRPr lang="de-DE" dirty="0"/>
           </a:p>
@@ -12167,7 +12178,7 @@
                   <a:srgbClr val="FFFFFF"/>
                 </a:solidFill>
               </a:rPr>
-              <a:t>13.11.2013</a:t>
+              <a:t>15.04.2015</a:t>
             </a:fld>
             <a:endParaRPr lang="de-DE" dirty="0">
               <a:solidFill>
@@ -12246,7 +12257,7 @@
         <p:spPr>
           <a:xfrm>
             <a:off x="280057" y="1376363"/>
-            <a:ext cx="7280275" cy="4246562"/>
+            <a:ext cx="8611463" cy="4246562"/>
           </a:xfrm>
           <a:ln/>
         </p:spPr>
@@ -12255,7 +12266,7 @@
           <a:lstStyle/>
           <a:p>
             <a:r>
-              <a:rPr lang="de-DE" sz="1200" dirty="0" smtClean="0">
+              <a:rPr lang="de-DE" sz="1400" dirty="0" smtClean="0">
                 <a:solidFill>
                   <a:srgbClr val="00B050"/>
                 </a:solidFill>
@@ -12267,56 +12278,56 @@
           </a:p>
           <a:p>
             <a:r>
-              <a:rPr lang="de-DE" sz="1200" dirty="0" err="1" smtClean="0">
+              <a:rPr lang="de-DE" sz="1400" dirty="0" err="1" smtClean="0">
                 <a:latin typeface="Courier New" pitchFamily="49" charset="0"/>
                 <a:cs typeface="Courier New" pitchFamily="49" charset="0"/>
               </a:rPr>
               <a:t>InMemoryRuntimeRepository</a:t>
             </a:r>
             <a:r>
-              <a:rPr lang="de-DE" sz="1200" dirty="0" smtClean="0">
+              <a:rPr lang="de-DE" sz="1400" dirty="0" smtClean="0">
                 <a:latin typeface="Courier New" pitchFamily="49" charset="0"/>
                 <a:cs typeface="Courier New" pitchFamily="49" charset="0"/>
               </a:rPr>
               <a:t> </a:t>
             </a:r>
             <a:r>
-              <a:rPr lang="de-DE" sz="1200" dirty="0" err="1">
+              <a:rPr lang="de-DE" sz="1400" dirty="0" err="1">
                 <a:latin typeface="Courier New" pitchFamily="49" charset="0"/>
                 <a:cs typeface="Courier New" pitchFamily="49" charset="0"/>
               </a:rPr>
               <a:t>repository</a:t>
             </a:r>
             <a:r>
-              <a:rPr lang="de-DE" sz="1200" dirty="0">
+              <a:rPr lang="de-DE" sz="1400" dirty="0">
                 <a:latin typeface="Courier New" pitchFamily="49" charset="0"/>
                 <a:cs typeface="Courier New" pitchFamily="49" charset="0"/>
               </a:rPr>
               <a:t> = </a:t>
             </a:r>
             <a:r>
-              <a:rPr lang="de-DE" sz="1200" b="1" dirty="0" err="1">
+              <a:rPr lang="de-DE" sz="1400" b="1" dirty="0" err="1">
                 <a:latin typeface="Courier New" pitchFamily="49" charset="0"/>
                 <a:cs typeface="Courier New" pitchFamily="49" charset="0"/>
               </a:rPr>
               <a:t>new</a:t>
             </a:r>
             <a:r>
-              <a:rPr lang="de-DE" sz="1200" b="1" dirty="0">
+              <a:rPr lang="de-DE" sz="1400" b="1" dirty="0">
                 <a:latin typeface="Courier New" pitchFamily="49" charset="0"/>
                 <a:cs typeface="Courier New" pitchFamily="49" charset="0"/>
               </a:rPr>
               <a:t> </a:t>
             </a:r>
             <a:r>
-              <a:rPr lang="de-DE" sz="1200" b="1" dirty="0" err="1">
+              <a:rPr lang="de-DE" sz="1400" b="1" dirty="0" err="1">
                 <a:latin typeface="Courier New" pitchFamily="49" charset="0"/>
                 <a:cs typeface="Courier New" pitchFamily="49" charset="0"/>
               </a:rPr>
               <a:t>InMemoryRuntimeRepository</a:t>
             </a:r>
             <a:r>
-              <a:rPr lang="de-DE" sz="1200" b="1" dirty="0">
+              <a:rPr lang="de-DE" sz="1400" b="1" dirty="0">
                 <a:latin typeface="Courier New" pitchFamily="49" charset="0"/>
                 <a:cs typeface="Courier New" pitchFamily="49" charset="0"/>
               </a:rPr>
@@ -12324,14 +12335,14 @@
             </a:r>
           </a:p>
           <a:p>
-            <a:endParaRPr lang="de-DE" sz="1200" dirty="0" smtClean="0">
+            <a:endParaRPr lang="de-DE" sz="1400" dirty="0" smtClean="0">
               <a:latin typeface="Courier New" pitchFamily="49" charset="0"/>
               <a:cs typeface="Courier New" pitchFamily="49" charset="0"/>
             </a:endParaRPr>
           </a:p>
           <a:p>
             <a:r>
-              <a:rPr lang="de-DE" sz="1200" dirty="0" smtClean="0">
+              <a:rPr lang="de-DE" sz="1400" dirty="0" smtClean="0">
                 <a:solidFill>
                   <a:srgbClr val="00B050"/>
                 </a:solidFill>
@@ -12340,7 +12351,7 @@
               </a:rPr>
               <a:t>// Produkt erzeugen</a:t>
             </a:r>
-            <a:endParaRPr lang="de-DE" sz="1200" dirty="0">
+            <a:endParaRPr lang="de-DE" sz="1400" dirty="0">
               <a:solidFill>
                 <a:srgbClr val="00B050"/>
               </a:solidFill>
@@ -12350,70 +12361,70 @@
           </a:p>
           <a:p>
             <a:r>
-              <a:rPr lang="de-DE" sz="1200" dirty="0" err="1" smtClean="0">
+              <a:rPr lang="de-DE" sz="1400" dirty="0" err="1" smtClean="0">
                 <a:latin typeface="Courier New" pitchFamily="49" charset="0"/>
                 <a:cs typeface="Courier New" pitchFamily="49" charset="0"/>
               </a:rPr>
               <a:t>HausratProdukt</a:t>
             </a:r>
             <a:r>
-              <a:rPr lang="de-DE" sz="1200" dirty="0" smtClean="0">
+              <a:rPr lang="de-DE" sz="1400" dirty="0" smtClean="0">
                 <a:latin typeface="Courier New" pitchFamily="49" charset="0"/>
                 <a:cs typeface="Courier New" pitchFamily="49" charset="0"/>
               </a:rPr>
               <a:t> </a:t>
             </a:r>
             <a:r>
-              <a:rPr lang="de-DE" sz="1200" dirty="0" err="1">
+              <a:rPr lang="de-DE" sz="1400" dirty="0" err="1">
                 <a:latin typeface="Courier New" pitchFamily="49" charset="0"/>
                 <a:cs typeface="Courier New" pitchFamily="49" charset="0"/>
               </a:rPr>
               <a:t>produkt</a:t>
             </a:r>
             <a:r>
-              <a:rPr lang="de-DE" sz="1200" dirty="0">
+              <a:rPr lang="de-DE" sz="1400" dirty="0">
                 <a:latin typeface="Courier New" pitchFamily="49" charset="0"/>
                 <a:cs typeface="Courier New" pitchFamily="49" charset="0"/>
               </a:rPr>
               <a:t> = </a:t>
             </a:r>
             <a:r>
-              <a:rPr lang="de-DE" sz="1200" b="1" dirty="0" err="1">
+              <a:rPr lang="de-DE" sz="1400" b="1" dirty="0" err="1">
                 <a:latin typeface="Courier New" pitchFamily="49" charset="0"/>
                 <a:cs typeface="Courier New" pitchFamily="49" charset="0"/>
               </a:rPr>
               <a:t>new</a:t>
             </a:r>
             <a:r>
-              <a:rPr lang="de-DE" sz="1200" b="1" dirty="0">
+              <a:rPr lang="de-DE" sz="1400" b="1" dirty="0">
                 <a:latin typeface="Courier New" pitchFamily="49" charset="0"/>
                 <a:cs typeface="Courier New" pitchFamily="49" charset="0"/>
               </a:rPr>
               <a:t> </a:t>
             </a:r>
             <a:r>
-              <a:rPr lang="de-DE" sz="1200" b="1" dirty="0" err="1">
+              <a:rPr lang="de-DE" sz="1400" b="1" dirty="0" err="1">
                 <a:latin typeface="Courier New" pitchFamily="49" charset="0"/>
                 <a:cs typeface="Courier New" pitchFamily="49" charset="0"/>
               </a:rPr>
               <a:t>HausratProdukt</a:t>
             </a:r>
             <a:r>
-              <a:rPr lang="de-DE" sz="1200" b="1" dirty="0">
+              <a:rPr lang="de-DE" sz="1400" b="1" dirty="0">
                 <a:latin typeface="Courier New" pitchFamily="49" charset="0"/>
                 <a:cs typeface="Courier New" pitchFamily="49" charset="0"/>
               </a:rPr>
               <a:t>(</a:t>
             </a:r>
             <a:r>
-              <a:rPr lang="de-DE" sz="1200" b="1" dirty="0" err="1">
+              <a:rPr lang="de-DE" sz="1400" b="1" dirty="0" err="1">
                 <a:latin typeface="Courier New" pitchFamily="49" charset="0"/>
                 <a:cs typeface="Courier New" pitchFamily="49" charset="0"/>
               </a:rPr>
               <a:t>repository</a:t>
             </a:r>
             <a:r>
-              <a:rPr lang="de-DE" sz="1200" b="1" dirty="0">
+              <a:rPr lang="de-DE" sz="1400" b="1" dirty="0">
                 <a:latin typeface="Courier New" pitchFamily="49" charset="0"/>
                 <a:cs typeface="Courier New" pitchFamily="49" charset="0"/>
               </a:rPr>
@@ -12421,14 +12432,14 @@
             </a:r>
           </a:p>
           <a:p>
-            <a:endParaRPr lang="de-DE" sz="1200" dirty="0" smtClean="0">
+            <a:endParaRPr lang="de-DE" sz="1400" dirty="0" smtClean="0">
               <a:latin typeface="Courier New" pitchFamily="49" charset="0"/>
               <a:cs typeface="Courier New" pitchFamily="49" charset="0"/>
             </a:endParaRPr>
           </a:p>
           <a:p>
             <a:r>
-              <a:rPr lang="de-DE" sz="1200" dirty="0" smtClean="0">
+              <a:rPr lang="de-DE" sz="1400" dirty="0" smtClean="0">
                 <a:solidFill>
                   <a:srgbClr val="00B050"/>
                 </a:solidFill>
@@ -12438,7 +12449,7 @@
               <a:t>// </a:t>
             </a:r>
             <a:r>
-              <a:rPr lang="de-DE" sz="1200" dirty="0" err="1" smtClean="0">
+              <a:rPr lang="de-DE" sz="1400" dirty="0" err="1" smtClean="0">
                 <a:solidFill>
                   <a:srgbClr val="00B050"/>
                 </a:solidFill>
@@ -12448,7 +12459,7 @@
               <a:t>Anpassungstufe</a:t>
             </a:r>
             <a:r>
-              <a:rPr lang="de-DE" sz="1200" dirty="0" smtClean="0">
+              <a:rPr lang="de-DE" sz="1400" dirty="0" smtClean="0">
                 <a:solidFill>
                   <a:srgbClr val="00B050"/>
                 </a:solidFill>
@@ -12458,7 +12469,7 @@
               <a:t> erzeugen und Gültig-Ab Datum setzen (</a:t>
             </a:r>
             <a:r>
-              <a:rPr lang="de-DE" sz="1200" dirty="0" err="1" smtClean="0">
+              <a:rPr lang="de-DE" sz="1400" dirty="0" err="1" smtClean="0">
                 <a:solidFill>
                   <a:srgbClr val="00B050"/>
                 </a:solidFill>
@@ -12468,7 +12479,7 @@
               <a:t>ValidFrom</a:t>
             </a:r>
             <a:r>
-              <a:rPr lang="de-DE" sz="1200" dirty="0" smtClean="0">
+              <a:rPr lang="de-DE" sz="1400" dirty="0" smtClean="0">
                 <a:solidFill>
                   <a:srgbClr val="00B050"/>
                 </a:solidFill>
@@ -12477,7 +12488,7 @@
               </a:rPr>
               <a:t>)</a:t>
             </a:r>
-            <a:endParaRPr lang="de-DE" sz="1200" dirty="0">
+            <a:endParaRPr lang="de-DE" sz="1400" dirty="0">
               <a:solidFill>
                 <a:srgbClr val="00B050"/>
               </a:solidFill>
@@ -12487,70 +12498,70 @@
           </a:p>
           <a:p>
             <a:r>
-              <a:rPr lang="de-DE" sz="1200" dirty="0" err="1" smtClean="0">
+              <a:rPr lang="de-DE" sz="1400" dirty="0" err="1" smtClean="0">
                 <a:latin typeface="Courier New" pitchFamily="49" charset="0"/>
                 <a:cs typeface="Courier New" pitchFamily="49" charset="0"/>
               </a:rPr>
               <a:t>HausratProduktAnpStufe</a:t>
             </a:r>
             <a:r>
-              <a:rPr lang="de-DE" sz="1200" dirty="0" smtClean="0">
+              <a:rPr lang="de-DE" sz="1400" dirty="0" smtClean="0">
                 <a:latin typeface="Courier New" pitchFamily="49" charset="0"/>
                 <a:cs typeface="Courier New" pitchFamily="49" charset="0"/>
               </a:rPr>
               <a:t> </a:t>
             </a:r>
             <a:r>
-              <a:rPr lang="de-DE" sz="1200" dirty="0" err="1">
+              <a:rPr lang="de-DE" sz="1400" dirty="0" err="1">
                 <a:latin typeface="Courier New" pitchFamily="49" charset="0"/>
                 <a:cs typeface="Courier New" pitchFamily="49" charset="0"/>
               </a:rPr>
               <a:t>as</a:t>
             </a:r>
             <a:r>
-              <a:rPr lang="de-DE" sz="1200" dirty="0">
+              <a:rPr lang="de-DE" sz="1400" dirty="0">
                 <a:latin typeface="Courier New" pitchFamily="49" charset="0"/>
                 <a:cs typeface="Courier New" pitchFamily="49" charset="0"/>
               </a:rPr>
               <a:t> = </a:t>
             </a:r>
             <a:r>
-              <a:rPr lang="de-DE" sz="1200" b="1" dirty="0" err="1">
+              <a:rPr lang="de-DE" sz="1400" b="1" dirty="0" err="1">
                 <a:latin typeface="Courier New" pitchFamily="49" charset="0"/>
                 <a:cs typeface="Courier New" pitchFamily="49" charset="0"/>
               </a:rPr>
               <a:t>new</a:t>
             </a:r>
             <a:r>
-              <a:rPr lang="de-DE" sz="1200" b="1" dirty="0">
+              <a:rPr lang="de-DE" sz="1400" b="1" dirty="0">
                 <a:latin typeface="Courier New" pitchFamily="49" charset="0"/>
                 <a:cs typeface="Courier New" pitchFamily="49" charset="0"/>
               </a:rPr>
               <a:t> </a:t>
             </a:r>
             <a:r>
-              <a:rPr lang="de-DE" sz="1200" b="1" dirty="0" err="1">
+              <a:rPr lang="de-DE" sz="1400" b="1" dirty="0" err="1">
                 <a:latin typeface="Courier New" pitchFamily="49" charset="0"/>
                 <a:cs typeface="Courier New" pitchFamily="49" charset="0"/>
               </a:rPr>
               <a:t>HausratProduktAnpStufe</a:t>
             </a:r>
             <a:r>
-              <a:rPr lang="de-DE" sz="1200" b="1" dirty="0">
+              <a:rPr lang="de-DE" sz="1400" b="1" dirty="0">
                 <a:latin typeface="Courier New" pitchFamily="49" charset="0"/>
                 <a:cs typeface="Courier New" pitchFamily="49" charset="0"/>
               </a:rPr>
               <a:t>(</a:t>
             </a:r>
             <a:r>
-              <a:rPr lang="de-DE" sz="1200" b="1" dirty="0" err="1">
+              <a:rPr lang="de-DE" sz="1400" b="1" dirty="0" err="1">
                 <a:latin typeface="Courier New" pitchFamily="49" charset="0"/>
                 <a:cs typeface="Courier New" pitchFamily="49" charset="0"/>
               </a:rPr>
               <a:t>produkt</a:t>
             </a:r>
             <a:r>
-              <a:rPr lang="de-DE" sz="1200" b="1" dirty="0">
+              <a:rPr lang="de-DE" sz="1400" b="1" dirty="0">
                 <a:latin typeface="Courier New" pitchFamily="49" charset="0"/>
                 <a:cs typeface="Courier New" pitchFamily="49" charset="0"/>
               </a:rPr>
@@ -12559,35 +12570,35 @@
           </a:p>
           <a:p>
             <a:r>
-              <a:rPr lang="de-DE" sz="1200" dirty="0" err="1">
+              <a:rPr lang="de-DE" sz="1400" dirty="0" err="1">
                 <a:latin typeface="Courier New" pitchFamily="49" charset="0"/>
                 <a:cs typeface="Courier New" pitchFamily="49" charset="0"/>
               </a:rPr>
               <a:t>as.setValidFrom</a:t>
             </a:r>
             <a:r>
-              <a:rPr lang="de-DE" sz="1200" dirty="0">
+              <a:rPr lang="de-DE" sz="1400" dirty="0">
                 <a:latin typeface="Courier New" pitchFamily="49" charset="0"/>
                 <a:cs typeface="Courier New" pitchFamily="49" charset="0"/>
               </a:rPr>
               <a:t>(</a:t>
             </a:r>
             <a:r>
-              <a:rPr lang="de-DE" sz="1200" dirty="0" err="1">
+              <a:rPr lang="de-DE" sz="1400" dirty="0" err="1">
                 <a:latin typeface="Courier New" pitchFamily="49" charset="0"/>
                 <a:cs typeface="Courier New" pitchFamily="49" charset="0"/>
               </a:rPr>
               <a:t>DateTime.</a:t>
             </a:r>
             <a:r>
-              <a:rPr lang="de-DE" sz="1200" i="1" dirty="0" err="1">
+              <a:rPr lang="de-DE" sz="1400" i="1" dirty="0" err="1">
                 <a:latin typeface="Courier New" pitchFamily="49" charset="0"/>
                 <a:cs typeface="Courier New" pitchFamily="49" charset="0"/>
               </a:rPr>
               <a:t>parseIso</a:t>
             </a:r>
             <a:r>
-              <a:rPr lang="de-DE" sz="1200" i="1" dirty="0">
+              <a:rPr lang="de-DE" sz="1400" i="1" dirty="0">
                 <a:latin typeface="Courier New" pitchFamily="49" charset="0"/>
                 <a:cs typeface="Courier New" pitchFamily="49" charset="0"/>
               </a:rPr>
@@ -12595,14 +12606,14 @@
             </a:r>
           </a:p>
           <a:p>
-            <a:endParaRPr lang="de-DE" sz="1200" dirty="0" smtClean="0">
+            <a:endParaRPr lang="de-DE" sz="1400" dirty="0" smtClean="0">
               <a:latin typeface="Courier New" pitchFamily="49" charset="0"/>
               <a:cs typeface="Courier New" pitchFamily="49" charset="0"/>
             </a:endParaRPr>
           </a:p>
           <a:p>
             <a:r>
-              <a:rPr lang="de-DE" sz="1200" dirty="0" smtClean="0">
+              <a:rPr lang="de-DE" sz="1400" dirty="0" smtClean="0">
                 <a:solidFill>
                   <a:srgbClr val="00B050"/>
                 </a:solidFill>
@@ -12611,7 +12622,7 @@
               </a:rPr>
               <a:t>// Anpassungsstufe inkl. Des Produktes ins Repository ablegen</a:t>
             </a:r>
-            <a:endParaRPr lang="de-DE" sz="1200" dirty="0">
+            <a:endParaRPr lang="de-DE" sz="1400" dirty="0">
               <a:solidFill>
                 <a:srgbClr val="00B050"/>
               </a:solidFill>
@@ -12621,34 +12632,34 @@
           </a:p>
           <a:p>
             <a:r>
-              <a:rPr lang="de-DE" sz="1200" dirty="0" err="1" smtClean="0">
+              <a:rPr lang="de-DE" sz="1400" dirty="0" err="1" smtClean="0">
                 <a:latin typeface="Courier New" pitchFamily="49" charset="0"/>
                 <a:cs typeface="Courier New" pitchFamily="49" charset="0"/>
               </a:rPr>
               <a:t>repository.putProductCmptGeneration</a:t>
             </a:r>
             <a:r>
-              <a:rPr lang="de-DE" sz="1200" dirty="0" smtClean="0">
+              <a:rPr lang="de-DE" sz="1400" dirty="0" smtClean="0">
                 <a:latin typeface="Courier New" pitchFamily="49" charset="0"/>
                 <a:cs typeface="Courier New" pitchFamily="49" charset="0"/>
               </a:rPr>
               <a:t>(</a:t>
             </a:r>
             <a:r>
-              <a:rPr lang="de-DE" sz="1200" dirty="0" err="1" smtClean="0">
+              <a:rPr lang="de-DE" sz="1400" dirty="0" err="1" smtClean="0">
                 <a:latin typeface="Courier New" pitchFamily="49" charset="0"/>
                 <a:cs typeface="Courier New" pitchFamily="49" charset="0"/>
               </a:rPr>
               <a:t>as</a:t>
             </a:r>
             <a:r>
-              <a:rPr lang="de-DE" sz="1200" dirty="0" smtClean="0">
+              <a:rPr lang="de-DE" sz="1400" dirty="0" smtClean="0">
                 <a:latin typeface="Courier New" pitchFamily="49" charset="0"/>
                 <a:cs typeface="Courier New" pitchFamily="49" charset="0"/>
               </a:rPr>
               <a:t>);</a:t>
             </a:r>
-            <a:endParaRPr lang="de-DE" sz="1200" dirty="0">
+            <a:endParaRPr lang="de-DE" sz="1400" dirty="0">
               <a:latin typeface="Courier New" pitchFamily="49" charset="0"/>
               <a:cs typeface="Courier New" pitchFamily="49" charset="0"/>
             </a:endParaRPr>
@@ -12762,7 +12773,7 @@
                   <a:srgbClr val="FFFFFF"/>
                 </a:solidFill>
               </a:rPr>
-              <a:t>13.11.2013</a:t>
+              <a:t>15.04.2015</a:t>
             </a:fld>
             <a:endParaRPr lang="de-DE" dirty="0">
               <a:solidFill>
@@ -13170,7 +13181,7 @@
                   <a:srgbClr val="FFFFFF"/>
                 </a:solidFill>
               </a:rPr>
-              <a:t>13.11.2013</a:t>
+              <a:t>15.04.2015</a:t>
             </a:fld>
             <a:endParaRPr lang="de-DE" dirty="0">
               <a:solidFill>
